--- a/Backup/AzureCloud/Introduction to Cloud/Chapter1-Introduction to Cloud.pptx
+++ b/Backup/AzureCloud/Introduction to Cloud/Chapter1-Introduction to Cloud.pptx
@@ -13,36 +13,27 @@
     <p:sldId id="263" r:id="rId7"/>
     <p:sldId id="264" r:id="rId8"/>
     <p:sldId id="265" r:id="rId9"/>
-    <p:sldId id="266" r:id="rId10"/>
-    <p:sldId id="267" r:id="rId11"/>
-    <p:sldId id="268" r:id="rId12"/>
-    <p:sldId id="269" r:id="rId13"/>
-    <p:sldId id="295" r:id="rId14"/>
-    <p:sldId id="275" r:id="rId15"/>
-    <p:sldId id="296" r:id="rId16"/>
-    <p:sldId id="270" r:id="rId17"/>
-    <p:sldId id="271" r:id="rId18"/>
-    <p:sldId id="272" r:id="rId19"/>
-    <p:sldId id="274" r:id="rId20"/>
-    <p:sldId id="276" r:id="rId21"/>
-    <p:sldId id="277" r:id="rId22"/>
-    <p:sldId id="278" r:id="rId23"/>
-    <p:sldId id="282" r:id="rId24"/>
-    <p:sldId id="279" r:id="rId25"/>
-    <p:sldId id="280" r:id="rId26"/>
-    <p:sldId id="283" r:id="rId27"/>
-    <p:sldId id="284" r:id="rId28"/>
-    <p:sldId id="285" r:id="rId29"/>
-    <p:sldId id="286" r:id="rId30"/>
-    <p:sldId id="287" r:id="rId31"/>
-    <p:sldId id="288" r:id="rId32"/>
-    <p:sldId id="289" r:id="rId33"/>
-    <p:sldId id="291" r:id="rId34"/>
-    <p:sldId id="290" r:id="rId35"/>
-    <p:sldId id="292" r:id="rId36"/>
-    <p:sldId id="293" r:id="rId37"/>
-    <p:sldId id="294" r:id="rId38"/>
-    <p:sldId id="297" r:id="rId39"/>
+    <p:sldId id="298" r:id="rId10"/>
+    <p:sldId id="266" r:id="rId11"/>
+    <p:sldId id="267" r:id="rId12"/>
+    <p:sldId id="268" r:id="rId13"/>
+    <p:sldId id="269" r:id="rId14"/>
+    <p:sldId id="295" r:id="rId15"/>
+    <p:sldId id="275" r:id="rId16"/>
+    <p:sldId id="296" r:id="rId17"/>
+    <p:sldId id="270" r:id="rId18"/>
+    <p:sldId id="271" r:id="rId19"/>
+    <p:sldId id="299" r:id="rId20"/>
+    <p:sldId id="277" r:id="rId21"/>
+    <p:sldId id="278" r:id="rId22"/>
+    <p:sldId id="282" r:id="rId23"/>
+    <p:sldId id="279" r:id="rId24"/>
+    <p:sldId id="280" r:id="rId25"/>
+    <p:sldId id="283" r:id="rId26"/>
+    <p:sldId id="284" r:id="rId27"/>
+    <p:sldId id="285" r:id="rId28"/>
+    <p:sldId id="286" r:id="rId29"/>
+    <p:sldId id="297" r:id="rId30"/>
   </p:sldIdLst>
   <p:sldSz cx="12192000" cy="6858000"/>
   <p:notesSz cx="6858000" cy="9144000"/>
@@ -278,7 +269,7 @@
           <a:p>
             <a:fld id="{8F93E4D3-D1D1-4206-8F7D-3496DF0CD5D2}" type="datetimeFigureOut">
               <a:rPr lang="en-US" smtClean="0"/>
-              <a:t>6/8/2024</a:t>
+              <a:t>6/11/2024</a:t>
             </a:fld>
             <a:endParaRPr lang="en-US"/>
           </a:p>
@@ -446,7 +437,7 @@
           <a:p>
             <a:fld id="{8F93E4D3-D1D1-4206-8F7D-3496DF0CD5D2}" type="datetimeFigureOut">
               <a:rPr lang="en-US" smtClean="0"/>
-              <a:t>6/8/2024</a:t>
+              <a:t>6/11/2024</a:t>
             </a:fld>
             <a:endParaRPr lang="en-US"/>
           </a:p>
@@ -624,7 +615,7 @@
           <a:p>
             <a:fld id="{8F93E4D3-D1D1-4206-8F7D-3496DF0CD5D2}" type="datetimeFigureOut">
               <a:rPr lang="en-US" smtClean="0"/>
-              <a:t>6/8/2024</a:t>
+              <a:t>6/11/2024</a:t>
             </a:fld>
             <a:endParaRPr lang="en-US"/>
           </a:p>
@@ -792,7 +783,7 @@
           <a:p>
             <a:fld id="{8F93E4D3-D1D1-4206-8F7D-3496DF0CD5D2}" type="datetimeFigureOut">
               <a:rPr lang="en-US" smtClean="0"/>
-              <a:t>6/8/2024</a:t>
+              <a:t>6/11/2024</a:t>
             </a:fld>
             <a:endParaRPr lang="en-US"/>
           </a:p>
@@ -1037,7 +1028,7 @@
           <a:p>
             <a:fld id="{8F93E4D3-D1D1-4206-8F7D-3496DF0CD5D2}" type="datetimeFigureOut">
               <a:rPr lang="en-US" smtClean="0"/>
-              <a:t>6/8/2024</a:t>
+              <a:t>6/11/2024</a:t>
             </a:fld>
             <a:endParaRPr lang="en-US"/>
           </a:p>
@@ -1266,7 +1257,7 @@
           <a:p>
             <a:fld id="{8F93E4D3-D1D1-4206-8F7D-3496DF0CD5D2}" type="datetimeFigureOut">
               <a:rPr lang="en-US" smtClean="0"/>
-              <a:t>6/8/2024</a:t>
+              <a:t>6/11/2024</a:t>
             </a:fld>
             <a:endParaRPr lang="en-US"/>
           </a:p>
@@ -1630,7 +1621,7 @@
           <a:p>
             <a:fld id="{8F93E4D3-D1D1-4206-8F7D-3496DF0CD5D2}" type="datetimeFigureOut">
               <a:rPr lang="en-US" smtClean="0"/>
-              <a:t>6/8/2024</a:t>
+              <a:t>6/11/2024</a:t>
             </a:fld>
             <a:endParaRPr lang="en-US"/>
           </a:p>
@@ -1747,7 +1738,7 @@
           <a:p>
             <a:fld id="{8F93E4D3-D1D1-4206-8F7D-3496DF0CD5D2}" type="datetimeFigureOut">
               <a:rPr lang="en-US" smtClean="0"/>
-              <a:t>6/8/2024</a:t>
+              <a:t>6/11/2024</a:t>
             </a:fld>
             <a:endParaRPr lang="en-US"/>
           </a:p>
@@ -1842,7 +1833,7 @@
           <a:p>
             <a:fld id="{8F93E4D3-D1D1-4206-8F7D-3496DF0CD5D2}" type="datetimeFigureOut">
               <a:rPr lang="en-US" smtClean="0"/>
-              <a:t>6/8/2024</a:t>
+              <a:t>6/11/2024</a:t>
             </a:fld>
             <a:endParaRPr lang="en-US"/>
           </a:p>
@@ -2117,7 +2108,7 @@
           <a:p>
             <a:fld id="{8F93E4D3-D1D1-4206-8F7D-3496DF0CD5D2}" type="datetimeFigureOut">
               <a:rPr lang="en-US" smtClean="0"/>
-              <a:t>6/8/2024</a:t>
+              <a:t>6/11/2024</a:t>
             </a:fld>
             <a:endParaRPr lang="en-US"/>
           </a:p>
@@ -2369,7 +2360,7 @@
           <a:p>
             <a:fld id="{8F93E4D3-D1D1-4206-8F7D-3496DF0CD5D2}" type="datetimeFigureOut">
               <a:rPr lang="en-US" smtClean="0"/>
-              <a:t>6/8/2024</a:t>
+              <a:t>6/11/2024</a:t>
             </a:fld>
             <a:endParaRPr lang="en-US"/>
           </a:p>
@@ -2580,7 +2571,7 @@
           <a:p>
             <a:fld id="{8F93E4D3-D1D1-4206-8F7D-3496DF0CD5D2}" type="datetimeFigureOut">
               <a:rPr lang="en-US" smtClean="0"/>
-              <a:t>6/8/2024</a:t>
+              <a:t>6/11/2024</a:t>
             </a:fld>
             <a:endParaRPr lang="en-US"/>
           </a:p>
@@ -3071,6 +3062,119 @@
           <a:lstStyle/>
           <a:p>
             <a:r>
+              <a:rPr lang="en-GB" sz="6000" dirty="0">
+                <a:solidFill>
+                  <a:srgbClr val="FF0000"/>
+                </a:solidFill>
+              </a:rPr>
+              <a:t>Are you joking?</a:t>
+            </a:r>
+            <a:endParaRPr lang="en-US" sz="6000" dirty="0">
+              <a:solidFill>
+                <a:srgbClr val="FF0000"/>
+              </a:solidFill>
+            </a:endParaRPr>
+          </a:p>
+        </p:txBody>
+      </p:sp>
+      <p:sp>
+        <p:nvSpPr>
+          <p:cNvPr id="3" name="Content Placeholder 2"/>
+          <p:cNvSpPr>
+            <a:spLocks noGrp="1"/>
+          </p:cNvSpPr>
+          <p:nvPr>
+            <p:ph idx="1"/>
+          </p:nvPr>
+        </p:nvSpPr>
+        <p:spPr/>
+        <p:txBody>
+          <a:bodyPr/>
+          <a:lstStyle/>
+          <a:p>
+            <a:pPr marL="0" indent="0">
+              <a:buNone/>
+            </a:pPr>
+            <a:r>
+              <a:rPr lang="en-GB" dirty="0"/>
+              <a:t>Is it really possible to have latency?</a:t>
+            </a:r>
+            <a:endParaRPr lang="en-US" dirty="0"/>
+          </a:p>
+        </p:txBody>
+      </p:sp>
+      <p:pic>
+        <p:nvPicPr>
+          <p:cNvPr id="6" name="Picture 5"/>
+          <p:cNvPicPr>
+            <a:picLocks noChangeAspect="1"/>
+          </p:cNvPicPr>
+          <p:nvPr/>
+        </p:nvPicPr>
+        <p:blipFill>
+          <a:blip r:embed="rId2"/>
+          <a:stretch>
+            <a:fillRect/>
+          </a:stretch>
+        </p:blipFill>
+        <p:spPr>
+          <a:xfrm>
+            <a:off x="1078173" y="2247530"/>
+            <a:ext cx="4887533" cy="4064370"/>
+          </a:xfrm>
+          <a:prstGeom prst="rect">
+            <a:avLst/>
+          </a:prstGeom>
+        </p:spPr>
+      </p:pic>
+    </p:spTree>
+    <p:extLst>
+      <p:ext uri="{BB962C8B-B14F-4D97-AF65-F5344CB8AC3E}">
+        <p14:creationId xmlns:p14="http://schemas.microsoft.com/office/powerpoint/2010/main" val="2968784423"/>
+      </p:ext>
+    </p:extLst>
+  </p:cSld>
+  <p:clrMapOvr>
+    <a:masterClrMapping/>
+  </p:clrMapOvr>
+</p:sld>
+</file>
+
+<file path=ppt/slides/slide11.xml><?xml version="1.0" encoding="utf-8"?>
+<p:sld xmlns:a="http://schemas.openxmlformats.org/drawingml/2006/main" xmlns:r="http://schemas.openxmlformats.org/officeDocument/2006/relationships" xmlns:p="http://schemas.openxmlformats.org/presentationml/2006/main">
+  <p:cSld>
+    <p:spTree>
+      <p:nvGrpSpPr>
+        <p:cNvPr id="1" name=""/>
+        <p:cNvGrpSpPr/>
+        <p:nvPr/>
+      </p:nvGrpSpPr>
+      <p:grpSpPr>
+        <a:xfrm>
+          <a:off x="0" y="0"/>
+          <a:ext cx="0" cy="0"/>
+          <a:chOff x="0" y="0"/>
+          <a:chExt cx="0" cy="0"/>
+        </a:xfrm>
+      </p:grpSpPr>
+      <p:sp>
+        <p:nvSpPr>
+          <p:cNvPr id="2" name="Title 1"/>
+          <p:cNvSpPr>
+            <a:spLocks noGrp="1"/>
+          </p:cNvSpPr>
+          <p:nvPr>
+            <p:ph type="title"/>
+          </p:nvPr>
+        </p:nvSpPr>
+        <p:spPr/>
+        <p:txBody>
+          <a:bodyPr>
+            <a:normAutofit/>
+          </a:bodyPr>
+          <a:lstStyle/>
+          <a:p>
+            <a:r>
               <a:rPr lang="en-GB" sz="4800" dirty="0">
                 <a:solidFill>
                   <a:srgbClr val="FF0000"/>
@@ -3159,7 +3263,7 @@
 </p:sld>
 </file>
 
-<file path=ppt/slides/slide11.xml><?xml version="1.0" encoding="utf-8"?>
+<file path=ppt/slides/slide12.xml><?xml version="1.0" encoding="utf-8"?>
 <p:sld xmlns:a="http://schemas.openxmlformats.org/drawingml/2006/main" xmlns:r="http://schemas.openxmlformats.org/officeDocument/2006/relationships" xmlns:p="http://schemas.openxmlformats.org/presentationml/2006/main">
   <p:cSld>
     <p:spTree>
@@ -3293,7 +3397,7 @@
 </p:sld>
 </file>
 
-<file path=ppt/slides/slide12.xml><?xml version="1.0" encoding="utf-8"?>
+<file path=ppt/slides/slide13.xml><?xml version="1.0" encoding="utf-8"?>
 <p:sld xmlns:a="http://schemas.openxmlformats.org/drawingml/2006/main" xmlns:r="http://schemas.openxmlformats.org/officeDocument/2006/relationships" xmlns:p="http://schemas.openxmlformats.org/presentationml/2006/main">
   <p:cSld>
     <p:spTree>
@@ -3380,7 +3484,7 @@
 </p:sld>
 </file>
 
-<file path=ppt/slides/slide13.xml><?xml version="1.0" encoding="utf-8"?>
+<file path=ppt/slides/slide14.xml><?xml version="1.0" encoding="utf-8"?>
 <p:sld xmlns:a="http://schemas.openxmlformats.org/drawingml/2006/main" xmlns:r="http://schemas.openxmlformats.org/officeDocument/2006/relationships" xmlns:p="http://schemas.openxmlformats.org/presentationml/2006/main">
   <p:cSld>
     <p:spTree>
@@ -3446,95 +3550,6 @@
 </p:sld>
 </file>
 
-<file path=ppt/slides/slide14.xml><?xml version="1.0" encoding="utf-8"?>
-<p:sld xmlns:a="http://schemas.openxmlformats.org/drawingml/2006/main" xmlns:r="http://schemas.openxmlformats.org/officeDocument/2006/relationships" xmlns:p="http://schemas.openxmlformats.org/presentationml/2006/main">
-  <p:cSld>
-    <p:spTree>
-      <p:nvGrpSpPr>
-        <p:cNvPr id="1" name=""/>
-        <p:cNvGrpSpPr/>
-        <p:nvPr/>
-      </p:nvGrpSpPr>
-      <p:grpSpPr>
-        <a:xfrm>
-          <a:off x="0" y="0"/>
-          <a:ext cx="0" cy="0"/>
-          <a:chOff x="0" y="0"/>
-          <a:chExt cx="0" cy="0"/>
-        </a:xfrm>
-      </p:grpSpPr>
-      <p:sp>
-        <p:nvSpPr>
-          <p:cNvPr id="2" name="Title 1"/>
-          <p:cNvSpPr>
-            <a:spLocks noGrp="1"/>
-          </p:cNvSpPr>
-          <p:nvPr>
-            <p:ph type="title"/>
-          </p:nvPr>
-        </p:nvSpPr>
-        <p:spPr/>
-        <p:txBody>
-          <a:bodyPr>
-            <a:normAutofit/>
-          </a:bodyPr>
-          <a:lstStyle/>
-          <a:p>
-            <a:r>
-              <a:rPr lang="en-GB" sz="4800" dirty="0">
-                <a:solidFill>
-                  <a:srgbClr val="FF0000"/>
-                </a:solidFill>
-              </a:rPr>
-              <a:t>Business model of cloud provider?</a:t>
-            </a:r>
-            <a:endParaRPr lang="en-US" sz="4800" dirty="0">
-              <a:solidFill>
-                <a:srgbClr val="FF0000"/>
-              </a:solidFill>
-            </a:endParaRPr>
-          </a:p>
-        </p:txBody>
-      </p:sp>
-      <p:sp>
-        <p:nvSpPr>
-          <p:cNvPr id="3" name="Content Placeholder 2"/>
-          <p:cNvSpPr>
-            <a:spLocks noGrp="1"/>
-          </p:cNvSpPr>
-          <p:nvPr>
-            <p:ph idx="1"/>
-          </p:nvPr>
-        </p:nvSpPr>
-        <p:spPr/>
-        <p:txBody>
-          <a:bodyPr/>
-          <a:lstStyle/>
-          <a:p>
-            <a:pPr marL="0" indent="0">
-              <a:buNone/>
-            </a:pPr>
-            <a:r>
-              <a:rPr lang="en-GB" dirty="0"/>
-              <a:t>Renting the servers on pay per use basis.</a:t>
-            </a:r>
-            <a:endParaRPr lang="en-US" dirty="0"/>
-          </a:p>
-        </p:txBody>
-      </p:sp>
-    </p:spTree>
-    <p:extLst>
-      <p:ext uri="{BB962C8B-B14F-4D97-AF65-F5344CB8AC3E}">
-        <p14:creationId xmlns:p14="http://schemas.microsoft.com/office/powerpoint/2010/main" val="2544370088"/>
-      </p:ext>
-    </p:extLst>
-  </p:cSld>
-  <p:clrMapOvr>
-    <a:masterClrMapping/>
-  </p:clrMapOvr>
-</p:sld>
-</file>
-
 <file path=ppt/slides/slide15.xml><?xml version="1.0" encoding="utf-8"?>
 <p:sld xmlns:a="http://schemas.openxmlformats.org/drawingml/2006/main" xmlns:r="http://schemas.openxmlformats.org/officeDocument/2006/relationships" xmlns:p="http://schemas.openxmlformats.org/presentationml/2006/main">
   <p:cSld>
@@ -3554,6 +3569,95 @@
       </p:grpSpPr>
       <p:sp>
         <p:nvSpPr>
+          <p:cNvPr id="2" name="Title 1"/>
+          <p:cNvSpPr>
+            <a:spLocks noGrp="1"/>
+          </p:cNvSpPr>
+          <p:nvPr>
+            <p:ph type="title"/>
+          </p:nvPr>
+        </p:nvSpPr>
+        <p:spPr/>
+        <p:txBody>
+          <a:bodyPr>
+            <a:normAutofit/>
+          </a:bodyPr>
+          <a:lstStyle/>
+          <a:p>
+            <a:r>
+              <a:rPr lang="en-GB" sz="4800" dirty="0">
+                <a:solidFill>
+                  <a:srgbClr val="FF0000"/>
+                </a:solidFill>
+              </a:rPr>
+              <a:t>Business model of cloud provider?</a:t>
+            </a:r>
+            <a:endParaRPr lang="en-US" sz="4800" dirty="0">
+              <a:solidFill>
+                <a:srgbClr val="FF0000"/>
+              </a:solidFill>
+            </a:endParaRPr>
+          </a:p>
+        </p:txBody>
+      </p:sp>
+      <p:sp>
+        <p:nvSpPr>
+          <p:cNvPr id="3" name="Content Placeholder 2"/>
+          <p:cNvSpPr>
+            <a:spLocks noGrp="1"/>
+          </p:cNvSpPr>
+          <p:nvPr>
+            <p:ph idx="1"/>
+          </p:nvPr>
+        </p:nvSpPr>
+        <p:spPr/>
+        <p:txBody>
+          <a:bodyPr/>
+          <a:lstStyle/>
+          <a:p>
+            <a:pPr marL="0" indent="0">
+              <a:buNone/>
+            </a:pPr>
+            <a:r>
+              <a:rPr lang="en-GB" dirty="0"/>
+              <a:t>Renting the servers on pay per use basis across the globe.</a:t>
+            </a:r>
+            <a:endParaRPr lang="en-US" dirty="0"/>
+          </a:p>
+        </p:txBody>
+      </p:sp>
+    </p:spTree>
+    <p:extLst>
+      <p:ext uri="{BB962C8B-B14F-4D97-AF65-F5344CB8AC3E}">
+        <p14:creationId xmlns:p14="http://schemas.microsoft.com/office/powerpoint/2010/main" val="2544370088"/>
+      </p:ext>
+    </p:extLst>
+  </p:cSld>
+  <p:clrMapOvr>
+    <a:masterClrMapping/>
+  </p:clrMapOvr>
+</p:sld>
+</file>
+
+<file path=ppt/slides/slide16.xml><?xml version="1.0" encoding="utf-8"?>
+<p:sld xmlns:a="http://schemas.openxmlformats.org/drawingml/2006/main" xmlns:r="http://schemas.openxmlformats.org/officeDocument/2006/relationships" xmlns:p="http://schemas.openxmlformats.org/presentationml/2006/main">
+  <p:cSld>
+    <p:spTree>
+      <p:nvGrpSpPr>
+        <p:cNvPr id="1" name=""/>
+        <p:cNvGrpSpPr/>
+        <p:nvPr/>
+      </p:nvGrpSpPr>
+      <p:grpSpPr>
+        <a:xfrm>
+          <a:off x="0" y="0"/>
+          <a:ext cx="0" cy="0"/>
+          <a:chOff x="0" y="0"/>
+          <a:chExt cx="0" cy="0"/>
+        </a:xfrm>
+      </p:grpSpPr>
+      <p:sp>
+        <p:nvSpPr>
           <p:cNvPr id="2" name="Title 1">
             <a:extLst>
               <a:ext uri="{FF2B5EF4-FFF2-40B4-BE49-F238E27FC236}">
@@ -3610,7 +3714,7 @@
             </a:pPr>
             <a:r>
               <a:rPr lang="en-IN" dirty="0"/>
-              <a:t>Renting infrastructure across the globe and providing compute, storage, networking and database solutions.</a:t>
+              <a:t>CSP[Cloud service provider] Renting infrastructure across the globe and providing compute, storage, networking and database solutions.</a:t>
             </a:r>
           </a:p>
         </p:txBody>
@@ -3628,7 +3732,7 @@
 </p:sld>
 </file>
 
-<file path=ppt/slides/slide16.xml><?xml version="1.0" encoding="utf-8"?>
+<file path=ppt/slides/slide17.xml><?xml version="1.0" encoding="utf-8"?>
 <p:sld xmlns:a="http://schemas.openxmlformats.org/drawingml/2006/main" xmlns:r="http://schemas.openxmlformats.org/officeDocument/2006/relationships" xmlns:p="http://schemas.openxmlformats.org/presentationml/2006/main">
   <p:cSld>
     <p:spTree>
@@ -3762,115 +3866,6 @@
 </p:sld>
 </file>
 
-<file path=ppt/slides/slide17.xml><?xml version="1.0" encoding="utf-8"?>
-<p:sld xmlns:a="http://schemas.openxmlformats.org/drawingml/2006/main" xmlns:r="http://schemas.openxmlformats.org/officeDocument/2006/relationships" xmlns:p="http://schemas.openxmlformats.org/presentationml/2006/main">
-  <p:cSld>
-    <p:spTree>
-      <p:nvGrpSpPr>
-        <p:cNvPr id="1" name=""/>
-        <p:cNvGrpSpPr/>
-        <p:nvPr/>
-      </p:nvGrpSpPr>
-      <p:grpSpPr>
-        <a:xfrm>
-          <a:off x="0" y="0"/>
-          <a:ext cx="0" cy="0"/>
-          <a:chOff x="0" y="0"/>
-          <a:chExt cx="0" cy="0"/>
-        </a:xfrm>
-      </p:grpSpPr>
-      <p:sp>
-        <p:nvSpPr>
-          <p:cNvPr id="2" name="Title 1"/>
-          <p:cNvSpPr>
-            <a:spLocks noGrp="1"/>
-          </p:cNvSpPr>
-          <p:nvPr>
-            <p:ph type="title"/>
-          </p:nvPr>
-        </p:nvSpPr>
-        <p:spPr/>
-        <p:txBody>
-          <a:bodyPr/>
-          <a:lstStyle/>
-          <a:p>
-            <a:r>
-              <a:rPr lang="en-GB" dirty="0"/>
-              <a:t>What is region?</a:t>
-            </a:r>
-            <a:endParaRPr lang="en-US" dirty="0"/>
-          </a:p>
-        </p:txBody>
-      </p:sp>
-      <p:sp>
-        <p:nvSpPr>
-          <p:cNvPr id="3" name="Content Placeholder 2"/>
-          <p:cNvSpPr>
-            <a:spLocks noGrp="1"/>
-          </p:cNvSpPr>
-          <p:nvPr>
-            <p:ph idx="1"/>
-          </p:nvPr>
-        </p:nvSpPr>
-        <p:spPr/>
-        <p:txBody>
-          <a:bodyPr/>
-          <a:lstStyle/>
-          <a:p>
-            <a:pPr marL="0" indent="0">
-              <a:buNone/>
-            </a:pPr>
-            <a:r>
-              <a:rPr lang="en-GB" dirty="0"/>
-              <a:t>It’s a physical location where server’s are physically installed. Referred as data centre</a:t>
-            </a:r>
-          </a:p>
-          <a:p>
-            <a:pPr marL="0" indent="0">
-              <a:buNone/>
-            </a:pPr>
-            <a:endParaRPr lang="en-GB" dirty="0"/>
-          </a:p>
-          <a:p>
-            <a:pPr marL="0" indent="0">
-              <a:buNone/>
-            </a:pPr>
-            <a:r>
-              <a:rPr lang="en-GB" dirty="0">
-                <a:solidFill>
-                  <a:srgbClr val="FF0000"/>
-                </a:solidFill>
-              </a:rPr>
-              <a:t>Note: We can select region while doing any activity.</a:t>
-            </a:r>
-          </a:p>
-          <a:p>
-            <a:pPr marL="0" indent="0">
-              <a:buNone/>
-            </a:pPr>
-            <a:endParaRPr lang="en-GB" dirty="0"/>
-          </a:p>
-          <a:p>
-            <a:pPr marL="0" indent="0">
-              <a:buNone/>
-            </a:pPr>
-            <a:endParaRPr lang="en-US" dirty="0"/>
-          </a:p>
-        </p:txBody>
-      </p:sp>
-    </p:spTree>
-    <p:extLst>
-      <p:ext uri="{BB962C8B-B14F-4D97-AF65-F5344CB8AC3E}">
-        <p14:creationId xmlns:p14="http://schemas.microsoft.com/office/powerpoint/2010/main" val="4153912841"/>
-      </p:ext>
-    </p:extLst>
-  </p:cSld>
-  <p:clrMapOvr>
-    <a:masterClrMapping/>
-  </p:clrMapOvr>
-</p:sld>
-</file>
-
 <file path=ppt/slides/slide18.xml><?xml version="1.0" encoding="utf-8"?>
 <p:sld xmlns:a="http://schemas.openxmlformats.org/drawingml/2006/main" xmlns:r="http://schemas.openxmlformats.org/officeDocument/2006/relationships" xmlns:p="http://schemas.openxmlformats.org/presentationml/2006/main">
   <p:cSld>
@@ -3888,51 +3883,89 @@
           <a:chExt cx="0" cy="0"/>
         </a:xfrm>
       </p:grpSpPr>
-      <p:pic>
-        <p:nvPicPr>
-          <p:cNvPr id="5122" name="Picture 2" descr="For Data Center Construction, Location ..."/>
-          <p:cNvPicPr>
-            <a:picLocks noChangeAspect="1" noChangeArrowheads="1"/>
-          </p:cNvPicPr>
-          <p:nvPr/>
-        </p:nvPicPr>
-        <p:blipFill>
-          <a:blip r:embed="rId2">
-            <a:extLst>
-              <a:ext uri="{28A0092B-C50C-407E-A947-70E740481C1C}">
-                <a14:useLocalDpi xmlns:a14="http://schemas.microsoft.com/office/drawing/2010/main" val="0"/>
-              </a:ext>
-            </a:extLst>
-          </a:blip>
-          <a:srcRect/>
-          <a:stretch>
-            <a:fillRect/>
-          </a:stretch>
-        </p:blipFill>
-        <p:spPr bwMode="auto">
-          <a:xfrm>
-            <a:off x="1206452" y="548185"/>
-            <a:ext cx="8851417" cy="4910919"/>
-          </a:xfrm>
-          <a:prstGeom prst="rect">
-            <a:avLst/>
-          </a:prstGeom>
-          <a:noFill/>
-          <a:extLst>
-            <a:ext uri="{909E8E84-426E-40DD-AFC4-6F175D3DCCD1}">
-              <a14:hiddenFill xmlns:a14="http://schemas.microsoft.com/office/drawing/2010/main">
+      <p:sp>
+        <p:nvSpPr>
+          <p:cNvPr id="2" name="Title 1"/>
+          <p:cNvSpPr>
+            <a:spLocks noGrp="1"/>
+          </p:cNvSpPr>
+          <p:nvPr>
+            <p:ph type="title"/>
+          </p:nvPr>
+        </p:nvSpPr>
+        <p:spPr/>
+        <p:txBody>
+          <a:bodyPr/>
+          <a:lstStyle/>
+          <a:p>
+            <a:r>
+              <a:rPr lang="en-GB" dirty="0"/>
+              <a:t>What is region?</a:t>
+            </a:r>
+            <a:endParaRPr lang="en-US" dirty="0"/>
+          </a:p>
+        </p:txBody>
+      </p:sp>
+      <p:sp>
+        <p:nvSpPr>
+          <p:cNvPr id="3" name="Content Placeholder 2"/>
+          <p:cNvSpPr>
+            <a:spLocks noGrp="1"/>
+          </p:cNvSpPr>
+          <p:nvPr>
+            <p:ph idx="1"/>
+          </p:nvPr>
+        </p:nvSpPr>
+        <p:spPr/>
+        <p:txBody>
+          <a:bodyPr/>
+          <a:lstStyle/>
+          <a:p>
+            <a:pPr marL="0" indent="0">
+              <a:buNone/>
+            </a:pPr>
+            <a:r>
+              <a:rPr lang="en-GB" dirty="0"/>
+              <a:t>It’s a physical location where server’s are physically installed. Referred as data centre</a:t>
+            </a:r>
+          </a:p>
+          <a:p>
+            <a:pPr marL="0" indent="0">
+              <a:buNone/>
+            </a:pPr>
+            <a:endParaRPr lang="en-GB" dirty="0"/>
+          </a:p>
+          <a:p>
+            <a:pPr marL="0" indent="0">
+              <a:buNone/>
+            </a:pPr>
+            <a:r>
+              <a:rPr lang="en-GB" dirty="0">
                 <a:solidFill>
-                  <a:srgbClr val="FFFFFF"/>
+                  <a:srgbClr val="FF0000"/>
                 </a:solidFill>
-              </a14:hiddenFill>
-            </a:ext>
-          </a:extLst>
-        </p:spPr>
-      </p:pic>
+              </a:rPr>
+              <a:t>Note: We can select region while doing any activity.</a:t>
+            </a:r>
+          </a:p>
+          <a:p>
+            <a:pPr marL="0" indent="0">
+              <a:buNone/>
+            </a:pPr>
+            <a:endParaRPr lang="en-GB" dirty="0"/>
+          </a:p>
+          <a:p>
+            <a:pPr marL="0" indent="0">
+              <a:buNone/>
+            </a:pPr>
+            <a:endParaRPr lang="en-US" dirty="0"/>
+          </a:p>
+        </p:txBody>
+      </p:sp>
     </p:spTree>
     <p:extLst>
       <p:ext uri="{BB962C8B-B14F-4D97-AF65-F5344CB8AC3E}">
-        <p14:creationId xmlns:p14="http://schemas.microsoft.com/office/powerpoint/2010/main" val="1486568427"/>
+        <p14:creationId xmlns:p14="http://schemas.microsoft.com/office/powerpoint/2010/main" val="4153912841"/>
       </p:ext>
     </p:extLst>
   </p:cSld>
@@ -3961,7 +3994,13 @@
       </p:grpSpPr>
       <p:sp>
         <p:nvSpPr>
-          <p:cNvPr id="2" name="Title 1"/>
+          <p:cNvPr id="2" name="Title 1">
+            <a:extLst>
+              <a:ext uri="{FF2B5EF4-FFF2-40B4-BE49-F238E27FC236}">
+                <a16:creationId xmlns:a16="http://schemas.microsoft.com/office/drawing/2014/main" id="{0156403E-BA2D-4F30-9219-156AEF540F55}"/>
+              </a:ext>
+            </a:extLst>
+          </p:cNvPr>
           <p:cNvSpPr>
             <a:spLocks noGrp="1"/>
           </p:cNvSpPr>
@@ -3975,24 +4014,25 @@
           <a:lstStyle/>
           <a:p>
             <a:r>
-              <a:rPr lang="en-GB" dirty="0">
+              <a:rPr lang="en-IN" dirty="0">
                 <a:solidFill>
                   <a:srgbClr val="FF0000"/>
                 </a:solidFill>
               </a:rPr>
-              <a:t>What data centre consists?</a:t>
-            </a:r>
-            <a:endParaRPr lang="en-US" dirty="0">
-              <a:solidFill>
-                <a:srgbClr val="FF0000"/>
-              </a:solidFill>
-            </a:endParaRPr>
-          </a:p>
-        </p:txBody>
-      </p:sp>
-      <p:sp>
-        <p:nvSpPr>
-          <p:cNvPr id="3" name="Content Placeholder 2"/>
+              <a:t>Cloud promise</a:t>
+            </a:r>
+          </a:p>
+        </p:txBody>
+      </p:sp>
+      <p:sp>
+        <p:nvSpPr>
+          <p:cNvPr id="3" name="Content Placeholder 2">
+            <a:extLst>
+              <a:ext uri="{FF2B5EF4-FFF2-40B4-BE49-F238E27FC236}">
+                <a16:creationId xmlns:a16="http://schemas.microsoft.com/office/drawing/2014/main" id="{2ED88A7B-BE6E-895D-1A6F-5BA8662B90BB}"/>
+              </a:ext>
+            </a:extLst>
+          </p:cNvPr>
           <p:cNvSpPr>
             <a:spLocks noGrp="1"/>
           </p:cNvSpPr>
@@ -4009,62 +4049,16 @@
               <a:buNone/>
             </a:pPr>
             <a:r>
-              <a:rPr lang="en-GB" dirty="0"/>
-              <a:t>Compute resource &gt;&gt; where we need memory and CPU </a:t>
-            </a:r>
-          </a:p>
-          <a:p>
-            <a:pPr marL="0" indent="0">
-              <a:buNone/>
-            </a:pPr>
-            <a:endParaRPr lang="en-GB" dirty="0"/>
-          </a:p>
-          <a:p>
-            <a:pPr marL="0" indent="0">
-              <a:buNone/>
-            </a:pPr>
-            <a:r>
-              <a:rPr lang="en-GB" dirty="0"/>
-              <a:t>Storage resource</a:t>
-            </a:r>
-          </a:p>
-          <a:p>
-            <a:pPr marL="0" indent="0">
-              <a:buNone/>
-            </a:pPr>
-            <a:endParaRPr lang="en-GB" dirty="0"/>
-          </a:p>
-          <a:p>
-            <a:pPr marL="0" indent="0">
-              <a:buNone/>
-            </a:pPr>
-            <a:r>
-              <a:rPr lang="en-GB" dirty="0"/>
-              <a:t>Networking resource</a:t>
-            </a:r>
-          </a:p>
-          <a:p>
-            <a:pPr marL="0" indent="0">
-              <a:buNone/>
-            </a:pPr>
-            <a:endParaRPr lang="en-GB" dirty="0"/>
-          </a:p>
-          <a:p>
-            <a:pPr marL="0" indent="0">
-              <a:buNone/>
-            </a:pPr>
-            <a:r>
-              <a:rPr lang="en-GB" dirty="0"/>
-              <a:t>Database resource</a:t>
-            </a:r>
-            <a:endParaRPr lang="en-US" dirty="0"/>
+              <a:rPr lang="en-IN" dirty="0"/>
+              <a:t>Cost optimization by 70%</a:t>
+            </a:r>
           </a:p>
         </p:txBody>
       </p:sp>
     </p:spTree>
     <p:extLst>
       <p:ext uri="{BB962C8B-B14F-4D97-AF65-F5344CB8AC3E}">
-        <p14:creationId xmlns:p14="http://schemas.microsoft.com/office/powerpoint/2010/main" val="3833156816"/>
+        <p14:creationId xmlns:p14="http://schemas.microsoft.com/office/powerpoint/2010/main" val="929304135"/>
       </p:ext>
     </p:extLst>
   </p:cSld>
@@ -4255,135 +4249,6 @@
           <a:p>
             <a:r>
               <a:rPr lang="en-GB" dirty="0"/>
-              <a:t>Need of datacentre</a:t>
-            </a:r>
-            <a:endParaRPr lang="en-US" dirty="0"/>
-          </a:p>
-        </p:txBody>
-      </p:sp>
-      <p:sp>
-        <p:nvSpPr>
-          <p:cNvPr id="3" name="Content Placeholder 2"/>
-          <p:cNvSpPr>
-            <a:spLocks noGrp="1"/>
-          </p:cNvSpPr>
-          <p:nvPr>
-            <p:ph idx="1"/>
-          </p:nvPr>
-        </p:nvSpPr>
-        <p:spPr/>
-        <p:txBody>
-          <a:bodyPr/>
-          <a:lstStyle/>
-          <a:p>
-            <a:pPr marL="514350" indent="-514350">
-              <a:buAutoNum type="arabicParenR"/>
-            </a:pPr>
-            <a:r>
-              <a:rPr lang="en-GB" dirty="0"/>
-              <a:t>Power, power backup(generator)</a:t>
-            </a:r>
-          </a:p>
-          <a:p>
-            <a:pPr marL="514350" indent="-514350">
-              <a:buAutoNum type="arabicParenR"/>
-            </a:pPr>
-            <a:r>
-              <a:rPr lang="en-GB" dirty="0"/>
-              <a:t>Monitoring zone</a:t>
-            </a:r>
-          </a:p>
-          <a:p>
-            <a:pPr marL="514350" indent="-514350">
-              <a:buAutoNum type="arabicParenR"/>
-            </a:pPr>
-            <a:r>
-              <a:rPr lang="en-GB" dirty="0"/>
-              <a:t>Physical security</a:t>
-            </a:r>
-          </a:p>
-          <a:p>
-            <a:pPr marL="514350" indent="-514350">
-              <a:buAutoNum type="arabicParenR"/>
-            </a:pPr>
-            <a:r>
-              <a:rPr lang="en-GB" dirty="0"/>
-              <a:t>Large area</a:t>
-            </a:r>
-          </a:p>
-          <a:p>
-            <a:pPr marL="514350" indent="-514350">
-              <a:buAutoNum type="arabicParenR"/>
-            </a:pPr>
-            <a:endParaRPr lang="en-GB" dirty="0"/>
-          </a:p>
-          <a:p>
-            <a:pPr marL="0" indent="0">
-              <a:buNone/>
-            </a:pPr>
-            <a:r>
-              <a:rPr lang="en-GB" dirty="0">
-                <a:solidFill>
-                  <a:srgbClr val="FF0000"/>
-                </a:solidFill>
-              </a:rPr>
-              <a:t>If anything goes wrong, it may cause outage</a:t>
-            </a:r>
-            <a:endParaRPr lang="en-US" dirty="0">
-              <a:solidFill>
-                <a:srgbClr val="FF0000"/>
-              </a:solidFill>
-            </a:endParaRPr>
-          </a:p>
-        </p:txBody>
-      </p:sp>
-    </p:spTree>
-    <p:extLst>
-      <p:ext uri="{BB962C8B-B14F-4D97-AF65-F5344CB8AC3E}">
-        <p14:creationId xmlns:p14="http://schemas.microsoft.com/office/powerpoint/2010/main" val="1226526215"/>
-      </p:ext>
-    </p:extLst>
-  </p:cSld>
-  <p:clrMapOvr>
-    <a:masterClrMapping/>
-  </p:clrMapOvr>
-</p:sld>
-</file>
-
-<file path=ppt/slides/slide21.xml><?xml version="1.0" encoding="utf-8"?>
-<p:sld xmlns:a="http://schemas.openxmlformats.org/drawingml/2006/main" xmlns:r="http://schemas.openxmlformats.org/officeDocument/2006/relationships" xmlns:p="http://schemas.openxmlformats.org/presentationml/2006/main">
-  <p:cSld>
-    <p:spTree>
-      <p:nvGrpSpPr>
-        <p:cNvPr id="1" name=""/>
-        <p:cNvGrpSpPr/>
-        <p:nvPr/>
-      </p:nvGrpSpPr>
-      <p:grpSpPr>
-        <a:xfrm>
-          <a:off x="0" y="0"/>
-          <a:ext cx="0" cy="0"/>
-          <a:chOff x="0" y="0"/>
-          <a:chExt cx="0" cy="0"/>
-        </a:xfrm>
-      </p:grpSpPr>
-      <p:sp>
-        <p:nvSpPr>
-          <p:cNvPr id="2" name="Title 1"/>
-          <p:cNvSpPr>
-            <a:spLocks noGrp="1"/>
-          </p:cNvSpPr>
-          <p:nvPr>
-            <p:ph type="title"/>
-          </p:nvPr>
-        </p:nvSpPr>
-        <p:spPr/>
-        <p:txBody>
-          <a:bodyPr/>
-          <a:lstStyle/>
-          <a:p>
-            <a:r>
-              <a:rPr lang="en-GB" dirty="0"/>
               <a:t>Case study: saving backup in disk drive</a:t>
             </a:r>
             <a:endParaRPr lang="en-US" dirty="0"/>
@@ -4429,7 +4294,7 @@
 </p:sld>
 </file>
 
-<file path=ppt/slides/slide22.xml><?xml version="1.0" encoding="utf-8"?>
+<file path=ppt/slides/slide21.xml><?xml version="1.0" encoding="utf-8"?>
 <p:sld xmlns:a="http://schemas.openxmlformats.org/drawingml/2006/main" xmlns:r="http://schemas.openxmlformats.org/officeDocument/2006/relationships" xmlns:p="http://schemas.openxmlformats.org/presentationml/2006/main">
   <p:cSld>
     <p:spTree>
@@ -4528,7 +4393,7 @@
 </p:sld>
 </file>
 
-<file path=ppt/slides/slide23.xml><?xml version="1.0" encoding="utf-8"?>
+<file path=ppt/slides/slide22.xml><?xml version="1.0" encoding="utf-8"?>
 <p:sld xmlns:a="http://schemas.openxmlformats.org/drawingml/2006/main" xmlns:r="http://schemas.openxmlformats.org/officeDocument/2006/relationships" xmlns:p="http://schemas.openxmlformats.org/presentationml/2006/main">
   <p:cSld>
     <p:spTree>
@@ -4637,7 +4502,7 @@
 </p:sld>
 </file>
 
-<file path=ppt/slides/slide24.xml><?xml version="1.0" encoding="utf-8"?>
+<file path=ppt/slides/slide23.xml><?xml version="1.0" encoding="utf-8"?>
 <p:sld xmlns:a="http://schemas.openxmlformats.org/drawingml/2006/main" xmlns:r="http://schemas.openxmlformats.org/officeDocument/2006/relationships" xmlns:p="http://schemas.openxmlformats.org/presentationml/2006/main">
   <p:cSld>
     <p:spTree>
@@ -4733,7 +4598,7 @@
 </p:sld>
 </file>
 
-<file path=ppt/slides/slide25.xml><?xml version="1.0" encoding="utf-8"?>
+<file path=ppt/slides/slide24.xml><?xml version="1.0" encoding="utf-8"?>
 <p:sld xmlns:a="http://schemas.openxmlformats.org/drawingml/2006/main" xmlns:r="http://schemas.openxmlformats.org/officeDocument/2006/relationships" xmlns:p="http://schemas.openxmlformats.org/presentationml/2006/main">
   <p:cSld>
     <p:spTree>
@@ -4814,7 +4679,7 @@
 </p:sld>
 </file>
 
-<file path=ppt/slides/slide26.xml><?xml version="1.0" encoding="utf-8"?>
+<file path=ppt/slides/slide25.xml><?xml version="1.0" encoding="utf-8"?>
 <p:sld xmlns:a="http://schemas.openxmlformats.org/drawingml/2006/main" xmlns:r="http://schemas.openxmlformats.org/officeDocument/2006/relationships" xmlns:p="http://schemas.openxmlformats.org/presentationml/2006/main">
   <p:cSld>
     <p:spTree>
@@ -4909,7 +4774,7 @@
 </p:sld>
 </file>
 
-<file path=ppt/slides/slide27.xml><?xml version="1.0" encoding="utf-8"?>
+<file path=ppt/slides/slide26.xml><?xml version="1.0" encoding="utf-8"?>
 <p:sld xmlns:a="http://schemas.openxmlformats.org/drawingml/2006/main" xmlns:r="http://schemas.openxmlformats.org/officeDocument/2006/relationships" xmlns:p="http://schemas.openxmlformats.org/presentationml/2006/main">
   <p:cSld>
     <p:spTree>
@@ -4996,7 +4861,7 @@
 </p:sld>
 </file>
 
-<file path=ppt/slides/slide28.xml><?xml version="1.0" encoding="utf-8"?>
+<file path=ppt/slides/slide27.xml><?xml version="1.0" encoding="utf-8"?>
 <p:sld xmlns:a="http://schemas.openxmlformats.org/drawingml/2006/main" xmlns:r="http://schemas.openxmlformats.org/officeDocument/2006/relationships" xmlns:p="http://schemas.openxmlformats.org/presentationml/2006/main">
   <p:cSld>
     <p:spTree>
@@ -5087,7 +4952,7 @@
 </p:sld>
 </file>
 
-<file path=ppt/slides/slide29.xml><?xml version="1.0" encoding="utf-8"?>
+<file path=ppt/slides/slide28.xml><?xml version="1.0" encoding="utf-8"?>
 <p:sld xmlns:a="http://schemas.openxmlformats.org/drawingml/2006/main" xmlns:r="http://schemas.openxmlformats.org/officeDocument/2006/relationships" xmlns:p="http://schemas.openxmlformats.org/presentationml/2006/main">
   <p:cSld>
     <p:spTree>
@@ -5188,6 +5053,95 @@
 </p:sld>
 </file>
 
+<file path=ppt/slides/slide29.xml><?xml version="1.0" encoding="utf-8"?>
+<p:sld xmlns:a="http://schemas.openxmlformats.org/drawingml/2006/main" xmlns:r="http://schemas.openxmlformats.org/officeDocument/2006/relationships" xmlns:p="http://schemas.openxmlformats.org/presentationml/2006/main">
+  <p:cSld>
+    <p:spTree>
+      <p:nvGrpSpPr>
+        <p:cNvPr id="1" name=""/>
+        <p:cNvGrpSpPr/>
+        <p:nvPr/>
+      </p:nvGrpSpPr>
+      <p:grpSpPr>
+        <a:xfrm>
+          <a:off x="0" y="0"/>
+          <a:ext cx="0" cy="0"/>
+          <a:chOff x="0" y="0"/>
+          <a:chExt cx="0" cy="0"/>
+        </a:xfrm>
+      </p:grpSpPr>
+      <p:sp>
+        <p:nvSpPr>
+          <p:cNvPr id="2" name="Title 1">
+            <a:extLst>
+              <a:ext uri="{FF2B5EF4-FFF2-40B4-BE49-F238E27FC236}">
+                <a16:creationId xmlns:a16="http://schemas.microsoft.com/office/drawing/2014/main" id="{C6BE03E9-0F6C-B16F-CFE7-0206352829E0}"/>
+              </a:ext>
+            </a:extLst>
+          </p:cNvPr>
+          <p:cNvSpPr>
+            <a:spLocks noGrp="1"/>
+          </p:cNvSpPr>
+          <p:nvPr>
+            <p:ph type="title"/>
+          </p:nvPr>
+        </p:nvSpPr>
+        <p:spPr/>
+        <p:txBody>
+          <a:bodyPr/>
+          <a:lstStyle/>
+          <a:p>
+            <a:r>
+              <a:rPr lang="en-IN" dirty="0"/>
+              <a:t>Demo</a:t>
+            </a:r>
+          </a:p>
+        </p:txBody>
+      </p:sp>
+      <p:sp>
+        <p:nvSpPr>
+          <p:cNvPr id="3" name="Content Placeholder 2">
+            <a:extLst>
+              <a:ext uri="{FF2B5EF4-FFF2-40B4-BE49-F238E27FC236}">
+                <a16:creationId xmlns:a16="http://schemas.microsoft.com/office/drawing/2014/main" id="{DA7A152C-894B-E5A3-D911-68F1D617839B}"/>
+              </a:ext>
+            </a:extLst>
+          </p:cNvPr>
+          <p:cNvSpPr>
+            <a:spLocks noGrp="1"/>
+          </p:cNvSpPr>
+          <p:nvPr>
+            <p:ph idx="1"/>
+          </p:nvPr>
+        </p:nvSpPr>
+        <p:spPr/>
+        <p:txBody>
+          <a:bodyPr/>
+          <a:lstStyle/>
+          <a:p>
+            <a:pPr marL="0" indent="0">
+              <a:buNone/>
+            </a:pPr>
+            <a:r>
+              <a:rPr lang="en-IN" dirty="0"/>
+              <a:t>Login to console, and see regions for both Amazon and Azure</a:t>
+            </a:r>
+          </a:p>
+        </p:txBody>
+      </p:sp>
+    </p:spTree>
+    <p:extLst>
+      <p:ext uri="{BB962C8B-B14F-4D97-AF65-F5344CB8AC3E}">
+        <p14:creationId xmlns:p14="http://schemas.microsoft.com/office/powerpoint/2010/main" val="2176289196"/>
+      </p:ext>
+    </p:extLst>
+  </p:cSld>
+  <p:clrMapOvr>
+    <a:masterClrMapping/>
+  </p:clrMapOvr>
+</p:sld>
+</file>
+
 <file path=ppt/slides/slide3.xml><?xml version="1.0" encoding="utf-8"?>
 <p:sld xmlns:a="http://schemas.openxmlformats.org/drawingml/2006/main" xmlns:r="http://schemas.openxmlformats.org/officeDocument/2006/relationships" xmlns:p="http://schemas.openxmlformats.org/presentationml/2006/main">
   <p:cSld>
@@ -5298,874 +5252,6 @@
     <p:extLst>
       <p:ext uri="{BB962C8B-B14F-4D97-AF65-F5344CB8AC3E}">
         <p14:creationId xmlns:p14="http://schemas.microsoft.com/office/powerpoint/2010/main" val="1619924650"/>
-      </p:ext>
-    </p:extLst>
-  </p:cSld>
-  <p:clrMapOvr>
-    <a:masterClrMapping/>
-  </p:clrMapOvr>
-</p:sld>
-</file>
-
-<file path=ppt/slides/slide30.xml><?xml version="1.0" encoding="utf-8"?>
-<p:sld xmlns:a="http://schemas.openxmlformats.org/drawingml/2006/main" xmlns:r="http://schemas.openxmlformats.org/officeDocument/2006/relationships" xmlns:p="http://schemas.openxmlformats.org/presentationml/2006/main">
-  <p:cSld>
-    <p:spTree>
-      <p:nvGrpSpPr>
-        <p:cNvPr id="1" name=""/>
-        <p:cNvGrpSpPr/>
-        <p:nvPr/>
-      </p:nvGrpSpPr>
-      <p:grpSpPr>
-        <a:xfrm>
-          <a:off x="0" y="0"/>
-          <a:ext cx="0" cy="0"/>
-          <a:chOff x="0" y="0"/>
-          <a:chExt cx="0" cy="0"/>
-        </a:xfrm>
-      </p:grpSpPr>
-      <p:sp>
-        <p:nvSpPr>
-          <p:cNvPr id="2" name="Title 1">
-            <a:extLst>
-              <a:ext uri="{FF2B5EF4-FFF2-40B4-BE49-F238E27FC236}">
-                <a16:creationId xmlns:a16="http://schemas.microsoft.com/office/drawing/2014/main" id="{B7CFD79A-96F4-F8A2-7A3B-FADBE8A56FBE}"/>
-              </a:ext>
-            </a:extLst>
-          </p:cNvPr>
-          <p:cNvSpPr>
-            <a:spLocks noGrp="1"/>
-          </p:cNvSpPr>
-          <p:nvPr>
-            <p:ph type="title"/>
-          </p:nvPr>
-        </p:nvSpPr>
-        <p:spPr/>
-        <p:txBody>
-          <a:bodyPr>
-            <a:normAutofit/>
-          </a:bodyPr>
-          <a:lstStyle/>
-          <a:p>
-            <a:r>
-              <a:rPr lang="en-IN" sz="5400" dirty="0">
-                <a:solidFill>
-                  <a:srgbClr val="FF0000"/>
-                </a:solidFill>
-              </a:rPr>
-              <a:t>Types of Cloud</a:t>
-            </a:r>
-          </a:p>
-        </p:txBody>
-      </p:sp>
-      <p:sp>
-        <p:nvSpPr>
-          <p:cNvPr id="3" name="Content Placeholder 2">
-            <a:extLst>
-              <a:ext uri="{FF2B5EF4-FFF2-40B4-BE49-F238E27FC236}">
-                <a16:creationId xmlns:a16="http://schemas.microsoft.com/office/drawing/2014/main" id="{6CFF8FE6-40C8-6FB6-891A-2263F9E6F127}"/>
-              </a:ext>
-            </a:extLst>
-          </p:cNvPr>
-          <p:cNvSpPr>
-            <a:spLocks noGrp="1"/>
-          </p:cNvSpPr>
-          <p:nvPr>
-            <p:ph idx="1"/>
-          </p:nvPr>
-        </p:nvSpPr>
-        <p:spPr/>
-        <p:txBody>
-          <a:bodyPr>
-            <a:normAutofit/>
-          </a:bodyPr>
-          <a:lstStyle/>
-          <a:p>
-            <a:r>
-              <a:rPr lang="en-IN" sz="4000" dirty="0"/>
-              <a:t>Private cloud</a:t>
-            </a:r>
-          </a:p>
-          <a:p>
-            <a:r>
-              <a:rPr lang="en-IN" sz="4000" dirty="0"/>
-              <a:t>Public cloud</a:t>
-            </a:r>
-          </a:p>
-          <a:p>
-            <a:r>
-              <a:rPr lang="en-IN" sz="4000" dirty="0"/>
-              <a:t>Community cloud</a:t>
-            </a:r>
-          </a:p>
-          <a:p>
-            <a:r>
-              <a:rPr lang="en-IN" sz="4000" dirty="0"/>
-              <a:t>Hybrid cloud</a:t>
-            </a:r>
-          </a:p>
-        </p:txBody>
-      </p:sp>
-    </p:spTree>
-    <p:extLst>
-      <p:ext uri="{BB962C8B-B14F-4D97-AF65-F5344CB8AC3E}">
-        <p14:creationId xmlns:p14="http://schemas.microsoft.com/office/powerpoint/2010/main" val="3076607118"/>
-      </p:ext>
-    </p:extLst>
-  </p:cSld>
-  <p:clrMapOvr>
-    <a:masterClrMapping/>
-  </p:clrMapOvr>
-</p:sld>
-</file>
-
-<file path=ppt/slides/slide31.xml><?xml version="1.0" encoding="utf-8"?>
-<p:sld xmlns:a="http://schemas.openxmlformats.org/drawingml/2006/main" xmlns:r="http://schemas.openxmlformats.org/officeDocument/2006/relationships" xmlns:p="http://schemas.openxmlformats.org/presentationml/2006/main">
-  <p:cSld>
-    <p:spTree>
-      <p:nvGrpSpPr>
-        <p:cNvPr id="1" name=""/>
-        <p:cNvGrpSpPr/>
-        <p:nvPr/>
-      </p:nvGrpSpPr>
-      <p:grpSpPr>
-        <a:xfrm>
-          <a:off x="0" y="0"/>
-          <a:ext cx="0" cy="0"/>
-          <a:chOff x="0" y="0"/>
-          <a:chExt cx="0" cy="0"/>
-        </a:xfrm>
-      </p:grpSpPr>
-      <p:sp>
-        <p:nvSpPr>
-          <p:cNvPr id="2" name="Title 1">
-            <a:extLst>
-              <a:ext uri="{FF2B5EF4-FFF2-40B4-BE49-F238E27FC236}">
-                <a16:creationId xmlns:a16="http://schemas.microsoft.com/office/drawing/2014/main" id="{2AF622AF-C452-6AA8-4D56-56BDED84040E}"/>
-              </a:ext>
-            </a:extLst>
-          </p:cNvPr>
-          <p:cNvSpPr>
-            <a:spLocks noGrp="1"/>
-          </p:cNvSpPr>
-          <p:nvPr>
-            <p:ph type="title"/>
-          </p:nvPr>
-        </p:nvSpPr>
-        <p:spPr/>
-        <p:txBody>
-          <a:bodyPr/>
-          <a:lstStyle/>
-          <a:p>
-            <a:r>
-              <a:rPr lang="en-IN" dirty="0">
-                <a:solidFill>
-                  <a:srgbClr val="FF0000"/>
-                </a:solidFill>
-              </a:rPr>
-              <a:t>Private cloud</a:t>
-            </a:r>
-          </a:p>
-        </p:txBody>
-      </p:sp>
-      <p:pic>
-        <p:nvPicPr>
-          <p:cNvPr id="5" name="Content Placeholder 4">
-            <a:extLst>
-              <a:ext uri="{FF2B5EF4-FFF2-40B4-BE49-F238E27FC236}">
-                <a16:creationId xmlns:a16="http://schemas.microsoft.com/office/drawing/2014/main" id="{2E4CDD9D-7A7A-5633-141A-83095D5E0180}"/>
-              </a:ext>
-            </a:extLst>
-          </p:cNvPr>
-          <p:cNvPicPr>
-            <a:picLocks noGrp="1" noChangeAspect="1"/>
-          </p:cNvPicPr>
-          <p:nvPr>
-            <p:ph idx="1"/>
-          </p:nvPr>
-        </p:nvPicPr>
-        <p:blipFill>
-          <a:blip r:embed="rId2"/>
-          <a:stretch>
-            <a:fillRect/>
-          </a:stretch>
-        </p:blipFill>
-        <p:spPr>
-          <a:xfrm>
-            <a:off x="1243173" y="1860192"/>
-            <a:ext cx="8907694" cy="3930137"/>
-          </a:xfrm>
-        </p:spPr>
-      </p:pic>
-    </p:spTree>
-    <p:extLst>
-      <p:ext uri="{BB962C8B-B14F-4D97-AF65-F5344CB8AC3E}">
-        <p14:creationId xmlns:p14="http://schemas.microsoft.com/office/powerpoint/2010/main" val="2015417950"/>
-      </p:ext>
-    </p:extLst>
-  </p:cSld>
-  <p:clrMapOvr>
-    <a:masterClrMapping/>
-  </p:clrMapOvr>
-</p:sld>
-</file>
-
-<file path=ppt/slides/slide32.xml><?xml version="1.0" encoding="utf-8"?>
-<p:sld xmlns:a="http://schemas.openxmlformats.org/drawingml/2006/main" xmlns:r="http://schemas.openxmlformats.org/officeDocument/2006/relationships" xmlns:p="http://schemas.openxmlformats.org/presentationml/2006/main">
-  <p:cSld>
-    <p:spTree>
-      <p:nvGrpSpPr>
-        <p:cNvPr id="1" name=""/>
-        <p:cNvGrpSpPr/>
-        <p:nvPr/>
-      </p:nvGrpSpPr>
-      <p:grpSpPr>
-        <a:xfrm>
-          <a:off x="0" y="0"/>
-          <a:ext cx="0" cy="0"/>
-          <a:chOff x="0" y="0"/>
-          <a:chExt cx="0" cy="0"/>
-        </a:xfrm>
-      </p:grpSpPr>
-      <p:sp>
-        <p:nvSpPr>
-          <p:cNvPr id="2" name="Title 1">
-            <a:extLst>
-              <a:ext uri="{FF2B5EF4-FFF2-40B4-BE49-F238E27FC236}">
-                <a16:creationId xmlns:a16="http://schemas.microsoft.com/office/drawing/2014/main" id="{B754E8AC-661C-4CFA-9910-2C8A8171A387}"/>
-              </a:ext>
-            </a:extLst>
-          </p:cNvPr>
-          <p:cNvSpPr>
-            <a:spLocks noGrp="1"/>
-          </p:cNvSpPr>
-          <p:nvPr>
-            <p:ph type="title"/>
-          </p:nvPr>
-        </p:nvSpPr>
-        <p:spPr/>
-        <p:txBody>
-          <a:bodyPr/>
-          <a:lstStyle/>
-          <a:p>
-            <a:r>
-              <a:rPr lang="en-IN" dirty="0">
-                <a:solidFill>
-                  <a:srgbClr val="FF0000"/>
-                </a:solidFill>
-              </a:rPr>
-              <a:t>Public cloud</a:t>
-            </a:r>
-          </a:p>
-        </p:txBody>
-      </p:sp>
-      <p:pic>
-        <p:nvPicPr>
-          <p:cNvPr id="5" name="Content Placeholder 4">
-            <a:extLst>
-              <a:ext uri="{FF2B5EF4-FFF2-40B4-BE49-F238E27FC236}">
-                <a16:creationId xmlns:a16="http://schemas.microsoft.com/office/drawing/2014/main" id="{25EFFFA1-BD31-4C39-9863-7ECFD8D89D02}"/>
-              </a:ext>
-            </a:extLst>
-          </p:cNvPr>
-          <p:cNvPicPr>
-            <a:picLocks noGrp="1" noChangeAspect="1"/>
-          </p:cNvPicPr>
-          <p:nvPr>
-            <p:ph idx="1"/>
-          </p:nvPr>
-        </p:nvPicPr>
-        <p:blipFill>
-          <a:blip r:embed="rId2"/>
-          <a:stretch>
-            <a:fillRect/>
-          </a:stretch>
-        </p:blipFill>
-        <p:spPr>
-          <a:xfrm>
-            <a:off x="2238176" y="2058094"/>
-            <a:ext cx="7715647" cy="3886400"/>
-          </a:xfrm>
-        </p:spPr>
-      </p:pic>
-    </p:spTree>
-    <p:extLst>
-      <p:ext uri="{BB962C8B-B14F-4D97-AF65-F5344CB8AC3E}">
-        <p14:creationId xmlns:p14="http://schemas.microsoft.com/office/powerpoint/2010/main" val="2716765949"/>
-      </p:ext>
-    </p:extLst>
-  </p:cSld>
-  <p:clrMapOvr>
-    <a:masterClrMapping/>
-  </p:clrMapOvr>
-</p:sld>
-</file>
-
-<file path=ppt/slides/slide33.xml><?xml version="1.0" encoding="utf-8"?>
-<p:sld xmlns:a="http://schemas.openxmlformats.org/drawingml/2006/main" xmlns:r="http://schemas.openxmlformats.org/officeDocument/2006/relationships" xmlns:p="http://schemas.openxmlformats.org/presentationml/2006/main">
-  <p:cSld>
-    <p:spTree>
-      <p:nvGrpSpPr>
-        <p:cNvPr id="1" name=""/>
-        <p:cNvGrpSpPr/>
-        <p:nvPr/>
-      </p:nvGrpSpPr>
-      <p:grpSpPr>
-        <a:xfrm>
-          <a:off x="0" y="0"/>
-          <a:ext cx="0" cy="0"/>
-          <a:chOff x="0" y="0"/>
-          <a:chExt cx="0" cy="0"/>
-        </a:xfrm>
-      </p:grpSpPr>
-      <p:sp>
-        <p:nvSpPr>
-          <p:cNvPr id="2" name="Title 1">
-            <a:extLst>
-              <a:ext uri="{FF2B5EF4-FFF2-40B4-BE49-F238E27FC236}">
-                <a16:creationId xmlns:a16="http://schemas.microsoft.com/office/drawing/2014/main" id="{B38A10DE-A375-7304-A732-4D1A04E8D14F}"/>
-              </a:ext>
-            </a:extLst>
-          </p:cNvPr>
-          <p:cNvSpPr>
-            <a:spLocks noGrp="1"/>
-          </p:cNvSpPr>
-          <p:nvPr>
-            <p:ph type="title"/>
-          </p:nvPr>
-        </p:nvSpPr>
-        <p:spPr/>
-        <p:txBody>
-          <a:bodyPr/>
-          <a:lstStyle/>
-          <a:p>
-            <a:r>
-              <a:rPr lang="en-IN" dirty="0"/>
-              <a:t>Community cloud</a:t>
-            </a:r>
-          </a:p>
-        </p:txBody>
-      </p:sp>
-      <p:sp>
-        <p:nvSpPr>
-          <p:cNvPr id="3" name="Content Placeholder 2">
-            <a:extLst>
-              <a:ext uri="{FF2B5EF4-FFF2-40B4-BE49-F238E27FC236}">
-                <a16:creationId xmlns:a16="http://schemas.microsoft.com/office/drawing/2014/main" id="{49F09736-FAC0-EC6F-7437-6CC4970AE84D}"/>
-              </a:ext>
-            </a:extLst>
-          </p:cNvPr>
-          <p:cNvSpPr>
-            <a:spLocks noGrp="1"/>
-          </p:cNvSpPr>
-          <p:nvPr>
-            <p:ph idx="1"/>
-          </p:nvPr>
-        </p:nvSpPr>
-        <p:spPr/>
-        <p:txBody>
-          <a:bodyPr/>
-          <a:lstStyle/>
-          <a:p>
-            <a:pPr marL="0" indent="0">
-              <a:buNone/>
-            </a:pPr>
-            <a:r>
-              <a:rPr lang="en-US" dirty="0"/>
-              <a:t>A </a:t>
-            </a:r>
-            <a:r>
-              <a:rPr lang="en-US" i="1" dirty="0"/>
-              <a:t>community cloud</a:t>
-            </a:r>
-            <a:r>
-              <a:rPr lang="en-US" dirty="0"/>
-              <a:t> is a cloud infrastructure in which multiple organizations share resources and services based on common requirements.</a:t>
-            </a:r>
-          </a:p>
-          <a:p>
-            <a:pPr marL="0" indent="0">
-              <a:buNone/>
-            </a:pPr>
-            <a:endParaRPr lang="en-US" dirty="0"/>
-          </a:p>
-          <a:p>
-            <a:pPr marL="0" indent="0">
-              <a:buNone/>
-            </a:pPr>
-            <a:r>
-              <a:rPr lang="en-US" dirty="0"/>
-              <a:t>Example: Let say IBM(Support), TCS(Development), Accenture(data management) are working on project. Now all things would be shared within them</a:t>
-            </a:r>
-            <a:endParaRPr lang="en-IN" dirty="0"/>
-          </a:p>
-        </p:txBody>
-      </p:sp>
-    </p:spTree>
-    <p:extLst>
-      <p:ext uri="{BB962C8B-B14F-4D97-AF65-F5344CB8AC3E}">
-        <p14:creationId xmlns:p14="http://schemas.microsoft.com/office/powerpoint/2010/main" val="339650455"/>
-      </p:ext>
-    </p:extLst>
-  </p:cSld>
-  <p:clrMapOvr>
-    <a:masterClrMapping/>
-  </p:clrMapOvr>
-</p:sld>
-</file>
-
-<file path=ppt/slides/slide34.xml><?xml version="1.0" encoding="utf-8"?>
-<p:sld xmlns:a="http://schemas.openxmlformats.org/drawingml/2006/main" xmlns:r="http://schemas.openxmlformats.org/officeDocument/2006/relationships" xmlns:p="http://schemas.openxmlformats.org/presentationml/2006/main">
-  <p:cSld>
-    <p:spTree>
-      <p:nvGrpSpPr>
-        <p:cNvPr id="1" name=""/>
-        <p:cNvGrpSpPr/>
-        <p:nvPr/>
-      </p:nvGrpSpPr>
-      <p:grpSpPr>
-        <a:xfrm>
-          <a:off x="0" y="0"/>
-          <a:ext cx="0" cy="0"/>
-          <a:chOff x="0" y="0"/>
-          <a:chExt cx="0" cy="0"/>
-        </a:xfrm>
-      </p:grpSpPr>
-      <p:sp>
-        <p:nvSpPr>
-          <p:cNvPr id="2" name="Title 1">
-            <a:extLst>
-              <a:ext uri="{FF2B5EF4-FFF2-40B4-BE49-F238E27FC236}">
-                <a16:creationId xmlns:a16="http://schemas.microsoft.com/office/drawing/2014/main" id="{97D2A296-329E-FC50-0DE7-6D54A8F4D44D}"/>
-              </a:ext>
-            </a:extLst>
-          </p:cNvPr>
-          <p:cNvSpPr>
-            <a:spLocks noGrp="1"/>
-          </p:cNvSpPr>
-          <p:nvPr>
-            <p:ph type="title"/>
-          </p:nvPr>
-        </p:nvSpPr>
-        <p:spPr/>
-        <p:txBody>
-          <a:bodyPr/>
-          <a:lstStyle/>
-          <a:p>
-            <a:r>
-              <a:rPr lang="en-IN" dirty="0"/>
-              <a:t>Hybrid cloud</a:t>
-            </a:r>
-          </a:p>
-        </p:txBody>
-      </p:sp>
-      <p:sp>
-        <p:nvSpPr>
-          <p:cNvPr id="3" name="Content Placeholder 2">
-            <a:extLst>
-              <a:ext uri="{FF2B5EF4-FFF2-40B4-BE49-F238E27FC236}">
-                <a16:creationId xmlns:a16="http://schemas.microsoft.com/office/drawing/2014/main" id="{406A03BF-91A5-CD4F-7F51-53BEA30C9CFC}"/>
-              </a:ext>
-            </a:extLst>
-          </p:cNvPr>
-          <p:cNvSpPr>
-            <a:spLocks noGrp="1"/>
-          </p:cNvSpPr>
-          <p:nvPr>
-            <p:ph idx="1"/>
-          </p:nvPr>
-        </p:nvSpPr>
-        <p:spPr/>
-        <p:txBody>
-          <a:bodyPr/>
-          <a:lstStyle/>
-          <a:p>
-            <a:pPr marL="0" indent="0">
-              <a:buNone/>
-            </a:pPr>
-            <a:endParaRPr lang="en-IN" dirty="0"/>
-          </a:p>
-          <a:p>
-            <a:pPr marL="0" indent="0">
-              <a:buNone/>
-            </a:pPr>
-            <a:r>
-              <a:rPr lang="en-IN" dirty="0"/>
-              <a:t>Hybrid cloud = Private cloud + Public cloud</a:t>
-            </a:r>
-          </a:p>
-        </p:txBody>
-      </p:sp>
-    </p:spTree>
-    <p:extLst>
-      <p:ext uri="{BB962C8B-B14F-4D97-AF65-F5344CB8AC3E}">
-        <p14:creationId xmlns:p14="http://schemas.microsoft.com/office/powerpoint/2010/main" val="1785429218"/>
-      </p:ext>
-    </p:extLst>
-  </p:cSld>
-  <p:clrMapOvr>
-    <a:masterClrMapping/>
-  </p:clrMapOvr>
-</p:sld>
-</file>
-
-<file path=ppt/slides/slide35.xml><?xml version="1.0" encoding="utf-8"?>
-<p:sld xmlns:a="http://schemas.openxmlformats.org/drawingml/2006/main" xmlns:r="http://schemas.openxmlformats.org/officeDocument/2006/relationships" xmlns:p="http://schemas.openxmlformats.org/presentationml/2006/main">
-  <p:cSld>
-    <p:spTree>
-      <p:nvGrpSpPr>
-        <p:cNvPr id="1" name=""/>
-        <p:cNvGrpSpPr/>
-        <p:nvPr/>
-      </p:nvGrpSpPr>
-      <p:grpSpPr>
-        <a:xfrm>
-          <a:off x="0" y="0"/>
-          <a:ext cx="0" cy="0"/>
-          <a:chOff x="0" y="0"/>
-          <a:chExt cx="0" cy="0"/>
-        </a:xfrm>
-      </p:grpSpPr>
-      <p:sp>
-        <p:nvSpPr>
-          <p:cNvPr id="2" name="Title 1">
-            <a:extLst>
-              <a:ext uri="{FF2B5EF4-FFF2-40B4-BE49-F238E27FC236}">
-                <a16:creationId xmlns:a16="http://schemas.microsoft.com/office/drawing/2014/main" id="{11D06D0D-AF78-D778-F88B-A30E21DE4169}"/>
-              </a:ext>
-            </a:extLst>
-          </p:cNvPr>
-          <p:cNvSpPr>
-            <a:spLocks noGrp="1"/>
-          </p:cNvSpPr>
-          <p:nvPr>
-            <p:ph type="title"/>
-          </p:nvPr>
-        </p:nvSpPr>
-        <p:spPr/>
-        <p:txBody>
-          <a:bodyPr/>
-          <a:lstStyle/>
-          <a:p>
-            <a:r>
-              <a:rPr lang="en-IN" dirty="0"/>
-              <a:t>IAAS</a:t>
-            </a:r>
-          </a:p>
-        </p:txBody>
-      </p:sp>
-      <p:sp>
-        <p:nvSpPr>
-          <p:cNvPr id="3" name="Content Placeholder 2">
-            <a:extLst>
-              <a:ext uri="{FF2B5EF4-FFF2-40B4-BE49-F238E27FC236}">
-                <a16:creationId xmlns:a16="http://schemas.microsoft.com/office/drawing/2014/main" id="{1590397C-D35C-C4B0-728A-E1ADE40420DF}"/>
-              </a:ext>
-            </a:extLst>
-          </p:cNvPr>
-          <p:cNvSpPr>
-            <a:spLocks noGrp="1"/>
-          </p:cNvSpPr>
-          <p:nvPr>
-            <p:ph idx="1"/>
-          </p:nvPr>
-        </p:nvSpPr>
-        <p:spPr/>
-        <p:txBody>
-          <a:bodyPr/>
-          <a:lstStyle/>
-          <a:p>
-            <a:pPr marL="0" indent="0">
-              <a:buNone/>
-            </a:pPr>
-            <a:r>
-              <a:rPr lang="en-IN" dirty="0"/>
-              <a:t>They will give infrastructure, do whatever you want to do.</a:t>
-            </a:r>
-          </a:p>
-          <a:p>
-            <a:pPr marL="0" indent="0">
-              <a:buNone/>
-            </a:pPr>
-            <a:endParaRPr lang="en-IN" dirty="0"/>
-          </a:p>
-          <a:p>
-            <a:pPr marL="0" indent="0">
-              <a:buNone/>
-            </a:pPr>
-            <a:r>
-              <a:rPr lang="en-IN" dirty="0"/>
-              <a:t>Example: VM</a:t>
-            </a:r>
-          </a:p>
-        </p:txBody>
-      </p:sp>
-    </p:spTree>
-    <p:extLst>
-      <p:ext uri="{BB962C8B-B14F-4D97-AF65-F5344CB8AC3E}">
-        <p14:creationId xmlns:p14="http://schemas.microsoft.com/office/powerpoint/2010/main" val="2046083680"/>
-      </p:ext>
-    </p:extLst>
-  </p:cSld>
-  <p:clrMapOvr>
-    <a:masterClrMapping/>
-  </p:clrMapOvr>
-</p:sld>
-</file>
-
-<file path=ppt/slides/slide36.xml><?xml version="1.0" encoding="utf-8"?>
-<p:sld xmlns:a="http://schemas.openxmlformats.org/drawingml/2006/main" xmlns:r="http://schemas.openxmlformats.org/officeDocument/2006/relationships" xmlns:p="http://schemas.openxmlformats.org/presentationml/2006/main">
-  <p:cSld>
-    <p:spTree>
-      <p:nvGrpSpPr>
-        <p:cNvPr id="1" name=""/>
-        <p:cNvGrpSpPr/>
-        <p:nvPr/>
-      </p:nvGrpSpPr>
-      <p:grpSpPr>
-        <a:xfrm>
-          <a:off x="0" y="0"/>
-          <a:ext cx="0" cy="0"/>
-          <a:chOff x="0" y="0"/>
-          <a:chExt cx="0" cy="0"/>
-        </a:xfrm>
-      </p:grpSpPr>
-      <p:sp>
-        <p:nvSpPr>
-          <p:cNvPr id="2" name="Title 1">
-            <a:extLst>
-              <a:ext uri="{FF2B5EF4-FFF2-40B4-BE49-F238E27FC236}">
-                <a16:creationId xmlns:a16="http://schemas.microsoft.com/office/drawing/2014/main" id="{CE293261-2D59-4D2B-3605-D7B198FFA3C7}"/>
-              </a:ext>
-            </a:extLst>
-          </p:cNvPr>
-          <p:cNvSpPr>
-            <a:spLocks noGrp="1"/>
-          </p:cNvSpPr>
-          <p:nvPr>
-            <p:ph type="title"/>
-          </p:nvPr>
-        </p:nvSpPr>
-        <p:spPr/>
-        <p:txBody>
-          <a:bodyPr/>
-          <a:lstStyle/>
-          <a:p>
-            <a:r>
-              <a:rPr lang="en-IN" dirty="0"/>
-              <a:t>PAAS</a:t>
-            </a:r>
-          </a:p>
-        </p:txBody>
-      </p:sp>
-      <p:sp>
-        <p:nvSpPr>
-          <p:cNvPr id="3" name="Content Placeholder 2">
-            <a:extLst>
-              <a:ext uri="{FF2B5EF4-FFF2-40B4-BE49-F238E27FC236}">
-                <a16:creationId xmlns:a16="http://schemas.microsoft.com/office/drawing/2014/main" id="{C2372A52-5B9F-1C1E-8343-28A3BE3AF826}"/>
-              </a:ext>
-            </a:extLst>
-          </p:cNvPr>
-          <p:cNvSpPr>
-            <a:spLocks noGrp="1"/>
-          </p:cNvSpPr>
-          <p:nvPr>
-            <p:ph idx="1"/>
-          </p:nvPr>
-        </p:nvSpPr>
-        <p:spPr/>
-        <p:txBody>
-          <a:bodyPr/>
-          <a:lstStyle/>
-          <a:p>
-            <a:pPr marL="0" indent="0">
-              <a:buNone/>
-            </a:pPr>
-            <a:r>
-              <a:rPr lang="en-IN" dirty="0"/>
-              <a:t>They will give platform</a:t>
-            </a:r>
-          </a:p>
-          <a:p>
-            <a:pPr marL="0" indent="0">
-              <a:buNone/>
-            </a:pPr>
-            <a:endParaRPr lang="en-IN" dirty="0"/>
-          </a:p>
-          <a:p>
-            <a:pPr marL="0" indent="0">
-              <a:buNone/>
-            </a:pPr>
-            <a:r>
-              <a:rPr lang="en-IN" dirty="0"/>
-              <a:t>Example: Azure WebApp</a:t>
-            </a:r>
-          </a:p>
-        </p:txBody>
-      </p:sp>
-    </p:spTree>
-    <p:extLst>
-      <p:ext uri="{BB962C8B-B14F-4D97-AF65-F5344CB8AC3E}">
-        <p14:creationId xmlns:p14="http://schemas.microsoft.com/office/powerpoint/2010/main" val="636920910"/>
-      </p:ext>
-    </p:extLst>
-  </p:cSld>
-  <p:clrMapOvr>
-    <a:masterClrMapping/>
-  </p:clrMapOvr>
-</p:sld>
-</file>
-
-<file path=ppt/slides/slide37.xml><?xml version="1.0" encoding="utf-8"?>
-<p:sld xmlns:a="http://schemas.openxmlformats.org/drawingml/2006/main" xmlns:r="http://schemas.openxmlformats.org/officeDocument/2006/relationships" xmlns:p="http://schemas.openxmlformats.org/presentationml/2006/main">
-  <p:cSld>
-    <p:spTree>
-      <p:nvGrpSpPr>
-        <p:cNvPr id="1" name=""/>
-        <p:cNvGrpSpPr/>
-        <p:nvPr/>
-      </p:nvGrpSpPr>
-      <p:grpSpPr>
-        <a:xfrm>
-          <a:off x="0" y="0"/>
-          <a:ext cx="0" cy="0"/>
-          <a:chOff x="0" y="0"/>
-          <a:chExt cx="0" cy="0"/>
-        </a:xfrm>
-      </p:grpSpPr>
-      <p:sp>
-        <p:nvSpPr>
-          <p:cNvPr id="2" name="Title 1">
-            <a:extLst>
-              <a:ext uri="{FF2B5EF4-FFF2-40B4-BE49-F238E27FC236}">
-                <a16:creationId xmlns:a16="http://schemas.microsoft.com/office/drawing/2014/main" id="{095175A2-CE51-0EA1-2696-AF62A32D4CC6}"/>
-              </a:ext>
-            </a:extLst>
-          </p:cNvPr>
-          <p:cNvSpPr>
-            <a:spLocks noGrp="1"/>
-          </p:cNvSpPr>
-          <p:nvPr>
-            <p:ph type="title"/>
-          </p:nvPr>
-        </p:nvSpPr>
-        <p:spPr/>
-        <p:txBody>
-          <a:bodyPr/>
-          <a:lstStyle/>
-          <a:p>
-            <a:r>
-              <a:rPr lang="en-IN" dirty="0"/>
-              <a:t>SAAS</a:t>
-            </a:r>
-          </a:p>
-        </p:txBody>
-      </p:sp>
-      <p:sp>
-        <p:nvSpPr>
-          <p:cNvPr id="3" name="Content Placeholder 2">
-            <a:extLst>
-              <a:ext uri="{FF2B5EF4-FFF2-40B4-BE49-F238E27FC236}">
-                <a16:creationId xmlns:a16="http://schemas.microsoft.com/office/drawing/2014/main" id="{25A44C77-DF7A-374F-FBC9-B2010A2F4022}"/>
-              </a:ext>
-            </a:extLst>
-          </p:cNvPr>
-          <p:cNvSpPr>
-            <a:spLocks noGrp="1"/>
-          </p:cNvSpPr>
-          <p:nvPr>
-            <p:ph idx="1"/>
-          </p:nvPr>
-        </p:nvSpPr>
-        <p:spPr/>
-        <p:txBody>
-          <a:bodyPr/>
-          <a:lstStyle/>
-          <a:p>
-            <a:pPr marL="0" indent="0">
-              <a:buNone/>
-            </a:pPr>
-            <a:r>
-              <a:rPr lang="en-IN" dirty="0"/>
-              <a:t>Cloud offering of services.</a:t>
-            </a:r>
-          </a:p>
-          <a:p>
-            <a:pPr marL="0" indent="0">
-              <a:buNone/>
-            </a:pPr>
-            <a:endParaRPr lang="en-IN" dirty="0"/>
-          </a:p>
-          <a:p>
-            <a:pPr marL="0" indent="0">
-              <a:buNone/>
-            </a:pPr>
-            <a:r>
-              <a:rPr lang="en-IN" dirty="0"/>
-              <a:t>Example: Sonar cloud, terraform cloud, artifactory cloud.</a:t>
-            </a:r>
-          </a:p>
-        </p:txBody>
-      </p:sp>
-    </p:spTree>
-    <p:extLst>
-      <p:ext uri="{BB962C8B-B14F-4D97-AF65-F5344CB8AC3E}">
-        <p14:creationId xmlns:p14="http://schemas.microsoft.com/office/powerpoint/2010/main" val="1571057846"/>
-      </p:ext>
-    </p:extLst>
-  </p:cSld>
-  <p:clrMapOvr>
-    <a:masterClrMapping/>
-  </p:clrMapOvr>
-</p:sld>
-</file>
-
-<file path=ppt/slides/slide38.xml><?xml version="1.0" encoding="utf-8"?>
-<p:sld xmlns:a="http://schemas.openxmlformats.org/drawingml/2006/main" xmlns:r="http://schemas.openxmlformats.org/officeDocument/2006/relationships" xmlns:p="http://schemas.openxmlformats.org/presentationml/2006/main">
-  <p:cSld>
-    <p:spTree>
-      <p:nvGrpSpPr>
-        <p:cNvPr id="1" name=""/>
-        <p:cNvGrpSpPr/>
-        <p:nvPr/>
-      </p:nvGrpSpPr>
-      <p:grpSpPr>
-        <a:xfrm>
-          <a:off x="0" y="0"/>
-          <a:ext cx="0" cy="0"/>
-          <a:chOff x="0" y="0"/>
-          <a:chExt cx="0" cy="0"/>
-        </a:xfrm>
-      </p:grpSpPr>
-      <p:pic>
-        <p:nvPicPr>
-          <p:cNvPr id="2" name="Picture 1" descr="03-Introduction-to-Microsoft-Azure-Cloud-3-638.jpg"/>
-          <p:cNvPicPr>
-            <a:picLocks noChangeAspect="1"/>
-          </p:cNvPicPr>
-          <p:nvPr/>
-        </p:nvPicPr>
-        <p:blipFill>
-          <a:blip r:embed="rId2"/>
-          <a:stretch>
-            <a:fillRect/>
-          </a:stretch>
-        </p:blipFill>
-        <p:spPr>
-          <a:xfrm>
-            <a:off x="1695236" y="115225"/>
-            <a:ext cx="7859730" cy="5894798"/>
-          </a:xfrm>
-          <a:prstGeom prst="rect">
-            <a:avLst/>
-          </a:prstGeom>
-        </p:spPr>
-      </p:pic>
-    </p:spTree>
-    <p:extLst>
-      <p:ext uri="{BB962C8B-B14F-4D97-AF65-F5344CB8AC3E}">
-        <p14:creationId xmlns:p14="http://schemas.microsoft.com/office/powerpoint/2010/main" val="3375867693"/>
       </p:ext>
     </p:extLst>
   </p:cSld>
@@ -6503,9 +5589,31 @@
             </a:r>
             <a:r>
               <a:rPr lang="en-US" dirty="0"/>
-              <a:t> Now multiple people are facing latency issue</a:t>
-            </a:r>
-            <a:endParaRPr lang="en-GB" dirty="0"/>
+              <a:t> Now multiple people are facing latency issue.</a:t>
+            </a:r>
+          </a:p>
+          <a:p>
+            <a:pPr marL="0" indent="0">
+              <a:buNone/>
+            </a:pPr>
+            <a:endParaRPr lang="en-US" dirty="0"/>
+          </a:p>
+          <a:p>
+            <a:pPr marL="0" indent="0">
+              <a:buNone/>
+            </a:pPr>
+            <a:r>
+              <a:rPr lang="en-US" b="1" dirty="0"/>
+              <a:t>As per </a:t>
+            </a:r>
+            <a:r>
+              <a:rPr lang="en-US" b="1"/>
+              <a:t>Design principle </a:t>
+            </a:r>
+            <a:r>
+              <a:rPr lang="en-US" b="1" dirty="0"/>
+              <a:t>latency should be minimal. Ideally 0</a:t>
+            </a:r>
           </a:p>
         </p:txBody>
       </p:sp>
@@ -6616,72 +5724,21 @@
           <a:chExt cx="0" cy="0"/>
         </a:xfrm>
       </p:grpSpPr>
-      <p:sp>
-        <p:nvSpPr>
-          <p:cNvPr id="2" name="Title 1"/>
-          <p:cNvSpPr>
-            <a:spLocks noGrp="1"/>
-          </p:cNvSpPr>
-          <p:nvPr>
-            <p:ph type="title"/>
-          </p:nvPr>
-        </p:nvSpPr>
-        <p:spPr/>
-        <p:txBody>
-          <a:bodyPr>
-            <a:normAutofit/>
-          </a:bodyPr>
-          <a:lstStyle/>
-          <a:p>
-            <a:r>
-              <a:rPr lang="en-GB" sz="6000" dirty="0">
-                <a:solidFill>
-                  <a:srgbClr val="FF0000"/>
-                </a:solidFill>
-              </a:rPr>
-              <a:t>Are you joking?</a:t>
-            </a:r>
-            <a:endParaRPr lang="en-US" sz="6000" dirty="0">
-              <a:solidFill>
-                <a:srgbClr val="FF0000"/>
-              </a:solidFill>
-            </a:endParaRPr>
-          </a:p>
-        </p:txBody>
-      </p:sp>
-      <p:sp>
-        <p:nvSpPr>
-          <p:cNvPr id="3" name="Content Placeholder 2"/>
-          <p:cNvSpPr>
-            <a:spLocks noGrp="1"/>
-          </p:cNvSpPr>
-          <p:nvPr>
-            <p:ph idx="1"/>
-          </p:nvPr>
-        </p:nvSpPr>
-        <p:spPr/>
-        <p:txBody>
-          <a:bodyPr/>
-          <a:lstStyle/>
-          <a:p>
-            <a:pPr marL="0" indent="0">
-              <a:buNone/>
-            </a:pPr>
-            <a:r>
-              <a:rPr lang="en-GB" dirty="0"/>
-              <a:t>Is it really possible to have latency?</a:t>
-            </a:r>
-            <a:endParaRPr lang="en-US" dirty="0"/>
-          </a:p>
-        </p:txBody>
-      </p:sp>
       <p:pic>
         <p:nvPicPr>
-          <p:cNvPr id="6" name="Picture 5"/>
+          <p:cNvPr id="5" name="Content Placeholder 4">
+            <a:extLst>
+              <a:ext uri="{FF2B5EF4-FFF2-40B4-BE49-F238E27FC236}">
+                <a16:creationId xmlns:a16="http://schemas.microsoft.com/office/drawing/2014/main" id="{AA0E81ED-0AE1-B69D-BDB5-6CB7A4507AA7}"/>
+              </a:ext>
+            </a:extLst>
+          </p:cNvPr>
           <p:cNvPicPr>
-            <a:picLocks noChangeAspect="1"/>
+            <a:picLocks noGrp="1" noChangeAspect="1"/>
           </p:cNvPicPr>
-          <p:nvPr/>
+          <p:nvPr>
+            <p:ph idx="1"/>
+          </p:nvPr>
         </p:nvPicPr>
         <p:blipFill>
           <a:blip r:embed="rId2"/>
@@ -6691,18 +5748,15 @@
         </p:blipFill>
         <p:spPr>
           <a:xfrm>
-            <a:off x="1078173" y="2247530"/>
-            <a:ext cx="4887533" cy="4064370"/>
+            <a:off x="2230598" y="1486578"/>
+            <a:ext cx="7730803" cy="4351338"/>
           </a:xfrm>
-          <a:prstGeom prst="rect">
-            <a:avLst/>
-          </a:prstGeom>
         </p:spPr>
       </p:pic>
     </p:spTree>
     <p:extLst>
       <p:ext uri="{BB962C8B-B14F-4D97-AF65-F5344CB8AC3E}">
-        <p14:creationId xmlns:p14="http://schemas.microsoft.com/office/powerpoint/2010/main" val="2968784423"/>
+        <p14:creationId xmlns:p14="http://schemas.microsoft.com/office/powerpoint/2010/main" val="2509718792"/>
       </p:ext>
     </p:extLst>
   </p:cSld>
